--- a/trunk/present/VIRTUAL PRIVATE NETWORKS.pptx
+++ b/trunk/present/VIRTUAL PRIVATE NETWORKS.pptx
@@ -17,6 +17,17 @@
     <p:sldId id="265" r:id="rId11"/>
     <p:sldId id="266" r:id="rId12"/>
     <p:sldId id="267" r:id="rId13"/>
+    <p:sldId id="268" r:id="rId14"/>
+    <p:sldId id="269" r:id="rId15"/>
+    <p:sldId id="270" r:id="rId16"/>
+    <p:sldId id="271" r:id="rId17"/>
+    <p:sldId id="272" r:id="rId18"/>
+    <p:sldId id="273" r:id="rId19"/>
+    <p:sldId id="274" r:id="rId20"/>
+    <p:sldId id="275" r:id="rId21"/>
+    <p:sldId id="276" r:id="rId22"/>
+    <p:sldId id="277" r:id="rId23"/>
+    <p:sldId id="278" r:id="rId24"/>
   </p:sldIdLst>
   <p:sldSz cx="9144000" cy="6858000" type="screen4x3"/>
   <p:notesSz cx="6858000" cy="9144000"/>
@@ -299,7 +310,7 @@
           <a:p>
             <a:fld id="{967904A7-8D19-4340-8236-5E6E3044CA02}" type="datetimeFigureOut">
               <a:rPr lang="en-US" smtClean="0"/>
-              <a:t>11/9/2012</a:t>
+              <a:t>11/18/2012</a:t>
             </a:fld>
             <a:endParaRPr lang="en-US"/>
           </a:p>
@@ -469,7 +480,7 @@
           <a:p>
             <a:fld id="{967904A7-8D19-4340-8236-5E6E3044CA02}" type="datetimeFigureOut">
               <a:rPr lang="en-US" smtClean="0"/>
-              <a:t>11/9/2012</a:t>
+              <a:t>11/18/2012</a:t>
             </a:fld>
             <a:endParaRPr lang="en-US"/>
           </a:p>
@@ -649,7 +660,7 @@
           <a:p>
             <a:fld id="{967904A7-8D19-4340-8236-5E6E3044CA02}" type="datetimeFigureOut">
               <a:rPr lang="en-US" smtClean="0"/>
-              <a:t>11/9/2012</a:t>
+              <a:t>11/18/2012</a:t>
             </a:fld>
             <a:endParaRPr lang="en-US"/>
           </a:p>
@@ -819,7 +830,7 @@
           <a:p>
             <a:fld id="{967904A7-8D19-4340-8236-5E6E3044CA02}" type="datetimeFigureOut">
               <a:rPr lang="en-US" smtClean="0"/>
-              <a:t>11/9/2012</a:t>
+              <a:t>11/18/2012</a:t>
             </a:fld>
             <a:endParaRPr lang="en-US"/>
           </a:p>
@@ -1065,7 +1076,7 @@
           <a:p>
             <a:fld id="{967904A7-8D19-4340-8236-5E6E3044CA02}" type="datetimeFigureOut">
               <a:rPr lang="en-US" smtClean="0"/>
-              <a:t>11/9/2012</a:t>
+              <a:t>11/18/2012</a:t>
             </a:fld>
             <a:endParaRPr lang="en-US"/>
           </a:p>
@@ -1353,7 +1364,7 @@
           <a:p>
             <a:fld id="{967904A7-8D19-4340-8236-5E6E3044CA02}" type="datetimeFigureOut">
               <a:rPr lang="en-US" smtClean="0"/>
-              <a:t>11/9/2012</a:t>
+              <a:t>11/18/2012</a:t>
             </a:fld>
             <a:endParaRPr lang="en-US"/>
           </a:p>
@@ -1775,7 +1786,7 @@
           <a:p>
             <a:fld id="{967904A7-8D19-4340-8236-5E6E3044CA02}" type="datetimeFigureOut">
               <a:rPr lang="en-US" smtClean="0"/>
-              <a:t>11/9/2012</a:t>
+              <a:t>11/18/2012</a:t>
             </a:fld>
             <a:endParaRPr lang="en-US"/>
           </a:p>
@@ -1893,7 +1904,7 @@
           <a:p>
             <a:fld id="{967904A7-8D19-4340-8236-5E6E3044CA02}" type="datetimeFigureOut">
               <a:rPr lang="en-US" smtClean="0"/>
-              <a:t>11/9/2012</a:t>
+              <a:t>11/18/2012</a:t>
             </a:fld>
             <a:endParaRPr lang="en-US"/>
           </a:p>
@@ -1988,7 +1999,7 @@
           <a:p>
             <a:fld id="{967904A7-8D19-4340-8236-5E6E3044CA02}" type="datetimeFigureOut">
               <a:rPr lang="en-US" smtClean="0"/>
-              <a:t>11/9/2012</a:t>
+              <a:t>11/18/2012</a:t>
             </a:fld>
             <a:endParaRPr lang="en-US"/>
           </a:p>
@@ -2265,7 +2276,7 @@
           <a:p>
             <a:fld id="{967904A7-8D19-4340-8236-5E6E3044CA02}" type="datetimeFigureOut">
               <a:rPr lang="en-US" smtClean="0"/>
-              <a:t>11/9/2012</a:t>
+              <a:t>11/18/2012</a:t>
             </a:fld>
             <a:endParaRPr lang="en-US"/>
           </a:p>
@@ -2518,7 +2529,7 @@
           <a:p>
             <a:fld id="{967904A7-8D19-4340-8236-5E6E3044CA02}" type="datetimeFigureOut">
               <a:rPr lang="en-US" smtClean="0"/>
-              <a:t>11/9/2012</a:t>
+              <a:t>11/18/2012</a:t>
             </a:fld>
             <a:endParaRPr lang="en-US"/>
           </a:p>
@@ -2590,7 +2601,7 @@
           </a:blip>
           <a:srcRect/>
           <a:stretch>
-            <a:fillRect/>
+            <a:fillRect l="-17000" r="-17000"/>
           </a:stretch>
         </a:blipFill>
         <a:effectLst/>
@@ -2740,7 +2751,7 @@
           <a:p>
             <a:fld id="{967904A7-8D19-4340-8236-5E6E3044CA02}" type="datetimeFigureOut">
               <a:rPr lang="en-US" smtClean="0"/>
-              <a:t>11/9/2012</a:t>
+              <a:t>11/18/2012</a:t>
             </a:fld>
             <a:endParaRPr lang="en-US"/>
           </a:p>
@@ -3109,7 +3120,7 @@
           </a:blip>
           <a:srcRect/>
           <a:stretch>
-            <a:fillRect/>
+            <a:fillRect l="-14000" r="-14000"/>
           </a:stretch>
         </a:blipFill>
         <a:effectLst/>
@@ -3141,7 +3152,7 @@
         </p:nvSpPr>
         <p:spPr>
           <a:xfrm>
-            <a:off x="533400" y="304800"/>
+            <a:off x="533400" y="152400"/>
             <a:ext cx="8077200" cy="2209800"/>
           </a:xfrm>
         </p:spPr>
@@ -3178,7 +3189,7 @@
         </p:nvSpPr>
         <p:spPr>
           <a:xfrm>
-            <a:off x="3810000" y="2743200"/>
+            <a:off x="3352800" y="2590800"/>
             <a:ext cx="4191000" cy="3657600"/>
           </a:xfrm>
         </p:spPr>
@@ -3189,7 +3200,7 @@
           <a:lstStyle/>
           <a:p>
             <a:r>
-              <a:rPr lang="en-US" dirty="0" smtClean="0">
+              <a:rPr lang="en-US" b="1" dirty="0" smtClean="0">
                 <a:solidFill>
                   <a:schemeClr val="tx1"/>
                 </a:solidFill>
@@ -3199,7 +3210,7 @@
           </a:p>
           <a:p>
             <a:r>
-              <a:rPr lang="en-US" dirty="0" smtClean="0">
+              <a:rPr lang="en-US" b="1" dirty="0" smtClean="0">
                 <a:solidFill>
                   <a:schemeClr val="tx1"/>
                 </a:solidFill>
@@ -3209,7 +3220,7 @@
           </a:p>
           <a:p>
             <a:r>
-              <a:rPr lang="en-US" dirty="0" smtClean="0">
+              <a:rPr lang="en-US" b="1" dirty="0" smtClean="0">
                 <a:solidFill>
                   <a:schemeClr val="tx1"/>
                 </a:solidFill>
@@ -3219,7 +3230,7 @@
           </a:p>
           <a:p>
             <a:r>
-              <a:rPr lang="en-US" dirty="0" smtClean="0">
+              <a:rPr lang="en-US" b="1" dirty="0" smtClean="0">
                 <a:solidFill>
                   <a:schemeClr val="tx1"/>
                 </a:solidFill>
@@ -3227,7 +3238,7 @@
               <a:t>Dang </a:t>
             </a:r>
             <a:r>
-              <a:rPr lang="en-US" dirty="0" err="1">
+              <a:rPr lang="en-US" b="1" dirty="0" err="1">
                 <a:solidFill>
                   <a:schemeClr val="tx1"/>
                 </a:solidFill>
@@ -3235,7 +3246,7 @@
               <a:t>T</a:t>
             </a:r>
             <a:r>
-              <a:rPr lang="en-US" dirty="0" err="1" smtClean="0">
+              <a:rPr lang="en-US" b="1" dirty="0" err="1" smtClean="0">
                 <a:solidFill>
                   <a:schemeClr val="tx1"/>
                 </a:solidFill>
@@ -3243,7 +3254,7 @@
               <a:t>hi</a:t>
             </a:r>
             <a:r>
-              <a:rPr lang="en-US" dirty="0" smtClean="0">
+              <a:rPr lang="en-US" b="1" dirty="0" smtClean="0">
                 <a:solidFill>
                   <a:schemeClr val="tx1"/>
                 </a:solidFill>
@@ -3251,14 +3262,14 @@
               <a:t> </a:t>
             </a:r>
             <a:r>
-              <a:rPr lang="en-US" dirty="0" err="1" smtClean="0">
+              <a:rPr lang="en-US" b="1" dirty="0" err="1" smtClean="0">
                 <a:solidFill>
                   <a:schemeClr val="tx1"/>
                 </a:solidFill>
               </a:rPr>
               <a:t>Duyen</a:t>
             </a:r>
-            <a:endParaRPr lang="en-US" dirty="0" smtClean="0">
+            <a:endParaRPr lang="en-US" b="1" dirty="0" smtClean="0">
               <a:solidFill>
                 <a:schemeClr val="tx1"/>
               </a:solidFill>
@@ -3266,7 +3277,7 @@
           </a:p>
           <a:p>
             <a:r>
-              <a:rPr lang="en-US" dirty="0" smtClean="0">
+              <a:rPr lang="en-US" b="1" dirty="0" smtClean="0">
                 <a:solidFill>
                   <a:schemeClr val="tx1"/>
                 </a:solidFill>
@@ -3274,7 +3285,7 @@
               <a:t>Nguyen </a:t>
             </a:r>
             <a:r>
-              <a:rPr lang="en-US" dirty="0" err="1" smtClean="0">
+              <a:rPr lang="en-US" b="1" dirty="0" err="1" smtClean="0">
                 <a:solidFill>
                   <a:schemeClr val="tx1"/>
                 </a:solidFill>
@@ -3282,7 +3293,7 @@
               <a:t>Trung</a:t>
             </a:r>
             <a:r>
-              <a:rPr lang="en-US" dirty="0" smtClean="0">
+              <a:rPr lang="en-US" b="1" dirty="0" smtClean="0">
                 <a:solidFill>
                   <a:schemeClr val="tx1"/>
                 </a:solidFill>
@@ -3290,14 +3301,14 @@
               <a:t> </a:t>
             </a:r>
             <a:r>
-              <a:rPr lang="en-US" dirty="0" err="1" smtClean="0">
+              <a:rPr lang="en-US" b="1" dirty="0" err="1" smtClean="0">
                 <a:solidFill>
                   <a:schemeClr val="tx1"/>
                 </a:solidFill>
               </a:rPr>
               <a:t>Kien</a:t>
             </a:r>
-            <a:endParaRPr lang="en-US" dirty="0" smtClean="0">
+            <a:endParaRPr lang="en-US" b="1" dirty="0" smtClean="0">
               <a:solidFill>
                 <a:schemeClr val="tx1"/>
               </a:solidFill>
@@ -3305,7 +3316,7 @@
           </a:p>
           <a:p>
             <a:r>
-              <a:rPr lang="en-US" dirty="0" smtClean="0">
+              <a:rPr lang="en-US" b="1" dirty="0" smtClean="0">
                 <a:solidFill>
                   <a:schemeClr val="tx1"/>
                 </a:solidFill>
@@ -3313,7 +3324,7 @@
               <a:t>Lai </a:t>
             </a:r>
             <a:r>
-              <a:rPr lang="en-US" dirty="0" err="1" smtClean="0">
+              <a:rPr lang="en-US" b="1" dirty="0" err="1" smtClean="0">
                 <a:solidFill>
                   <a:schemeClr val="tx1"/>
                 </a:solidFill>
@@ -3321,7 +3332,7 @@
               <a:t>Thi</a:t>
             </a:r>
             <a:r>
-              <a:rPr lang="en-US" dirty="0" smtClean="0">
+              <a:rPr lang="en-US" b="1" dirty="0" smtClean="0">
                 <a:solidFill>
                   <a:schemeClr val="tx1"/>
                 </a:solidFill>
@@ -3344,6 +3355,13 @@
   <p:clrMapOvr>
     <a:masterClrMapping/>
   </p:clrMapOvr>
+  <p:timing>
+    <p:tnLst>
+      <p:par>
+        <p:cTn id="1" dur="indefinite" restart="never" nodeType="tmRoot"/>
+      </p:par>
+    </p:tnLst>
+  </p:timing>
 </p:sld>
 </file>
 
@@ -3399,25 +3417,97 @@
         <p:spPr/>
         <p:txBody>
           <a:bodyPr>
-            <a:normAutofit fontScale="92500" lnSpcReduction="20000"/>
+            <a:normAutofit fontScale="92500" lnSpcReduction="10000"/>
           </a:bodyPr>
           <a:lstStyle/>
           <a:p>
             <a:r>
               <a:rPr lang="en-US" dirty="0" smtClean="0"/>
-              <a:t>L2TP</a:t>
-            </a:r>
+              <a:t>Being an </a:t>
+            </a:r>
+            <a:r>
+              <a:rPr lang="en-US" dirty="0"/>
+              <a:t>extension of the PPTP (Point to point tunneling </a:t>
+            </a:r>
+            <a:r>
+              <a:rPr lang="en-US" dirty="0" smtClean="0"/>
+              <a:t>protocol)</a:t>
+            </a:r>
+          </a:p>
+          <a:p>
+            <a:r>
+              <a:rPr lang="en-US" dirty="0" smtClean="0"/>
+              <a:t>used </a:t>
+            </a:r>
+            <a:r>
+              <a:rPr lang="en-US" dirty="0"/>
+              <a:t>by internet service providers to provide VPN services over the internet</a:t>
+            </a:r>
+            <a:r>
+              <a:rPr lang="en-US" dirty="0" smtClean="0"/>
+              <a:t>.</a:t>
+            </a:r>
+          </a:p>
+          <a:p>
+            <a:r>
+              <a:rPr lang="en-US" dirty="0" smtClean="0"/>
+              <a:t> </a:t>
+            </a:r>
+            <a:r>
+              <a:rPr lang="en-US" dirty="0"/>
+              <a:t>L2TP combines the functionality of PPTP and </a:t>
+            </a:r>
+            <a:r>
+              <a:rPr lang="en-US" dirty="0" smtClean="0"/>
+              <a:t>L2F</a:t>
+            </a:r>
+          </a:p>
+          <a:p>
+            <a:pPr marL="0" indent="0">
+              <a:buNone/>
+            </a:pPr>
             <a:r>
               <a:rPr lang="en-US" dirty="0"/>
               <a:t> </a:t>
             </a:r>
             <a:r>
               <a:rPr lang="en-US" dirty="0" smtClean="0"/>
-              <a:t>is </a:t>
+              <a:t>   with </a:t>
             </a:r>
             <a:r>
               <a:rPr lang="en-US" dirty="0"/>
-              <a:t>an extension of the PPTP (Point to point tunneling protocol), used by internet service providers to provide VPN services over the internet. L2TP combines the functionality of PPTP and L2F (Layer 2 forwarding protocol) with some additional functions using some of the </a:t>
+              <a:t>some additional functions using some of </a:t>
+            </a:r>
+            <a:r>
+              <a:rPr lang="en-US" dirty="0" smtClean="0"/>
+              <a:t>the</a:t>
+            </a:r>
+          </a:p>
+          <a:p>
+            <a:pPr marL="0" indent="0">
+              <a:buNone/>
+            </a:pPr>
+            <a:r>
+              <a:rPr lang="en-US" dirty="0" smtClean="0"/>
+              <a:t>    </a:t>
+            </a:r>
+            <a:r>
+              <a:rPr lang="en-US" dirty="0" err="1" smtClean="0"/>
+              <a:t>IPSec</a:t>
+            </a:r>
+            <a:r>
+              <a:rPr lang="en-US" dirty="0" smtClean="0"/>
+              <a:t> functionality.</a:t>
+            </a:r>
+          </a:p>
+          <a:p>
+            <a:r>
+              <a:rPr lang="en-US" dirty="0" smtClean="0"/>
+              <a:t>L2TP </a:t>
+            </a:r>
+            <a:r>
+              <a:rPr lang="en-US" dirty="0"/>
+              <a:t>can be used in conjunction with </a:t>
             </a:r>
             <a:r>
               <a:rPr lang="en-US" dirty="0" err="1"/>
@@ -3425,25 +3515,8 @@
             </a:r>
             <a:r>
               <a:rPr lang="en-US" dirty="0"/>
-              <a:t> functionality. Also L2TP can be used in conjunction with </a:t>
-            </a:r>
-            <a:r>
-              <a:rPr lang="en-US" dirty="0" err="1"/>
-              <a:t>IPSec</a:t>
-            </a:r>
-            <a:r>
-              <a:rPr lang="en-US" dirty="0"/>
               <a:t> to provide encryption, authentication and integrity. </a:t>
             </a:r>
-            <a:r>
-              <a:rPr lang="en-US" dirty="0" err="1"/>
-              <a:t>IPSec</a:t>
-            </a:r>
-            <a:r>
-              <a:rPr lang="en-US" dirty="0"/>
-              <a:t> is the way forward and is considered better than the layer 2 VPN’s such as PPTP and L2TP.</a:t>
-            </a:r>
-            <a:endParaRPr lang="en-US" dirty="0"/>
           </a:p>
         </p:txBody>
       </p:sp>
@@ -3487,7 +3560,12 @@
             <p:ph type="title"/>
           </p:nvPr>
         </p:nvSpPr>
-        <p:spPr/>
+        <p:spPr>
+          <a:xfrm>
+            <a:off x="381000" y="152400"/>
+            <a:ext cx="8229600" cy="1143000"/>
+          </a:xfrm>
+        </p:spPr>
         <p:txBody>
           <a:bodyPr>
             <a:normAutofit fontScale="90000"/>
@@ -3515,59 +3593,109 @@
             <p:ph idx="1"/>
           </p:nvPr>
         </p:nvSpPr>
-        <p:spPr/>
+        <p:spPr>
+          <a:xfrm>
+            <a:off x="457200" y="1371600"/>
+            <a:ext cx="8229600" cy="4525963"/>
+          </a:xfrm>
+        </p:spPr>
         <p:txBody>
           <a:bodyPr>
-            <a:normAutofit fontScale="85000" lnSpcReduction="10000"/>
+            <a:normAutofit fontScale="92500" lnSpcReduction="10000"/>
           </a:bodyPr>
           <a:lstStyle/>
           <a:p>
             <a:r>
-              <a:rPr lang="en-US" dirty="0" err="1"/>
+              <a:rPr lang="en-US" dirty="0" smtClean="0"/>
+              <a:t>Operating </a:t>
+            </a:r>
+            <a:r>
+              <a:rPr lang="en-US" dirty="0"/>
+              <a:t>on layer 3 and </a:t>
+            </a:r>
+            <a:r>
+              <a:rPr lang="en-US" dirty="0" smtClean="0"/>
+              <a:t>can protecting </a:t>
+            </a:r>
+            <a:r>
+              <a:rPr lang="en-US" dirty="0"/>
+              <a:t>any protocol that runs on top of IP. </a:t>
+            </a:r>
+            <a:endParaRPr lang="en-US" dirty="0" smtClean="0"/>
+          </a:p>
+          <a:p>
+            <a:r>
+              <a:rPr lang="en-US" dirty="0" smtClean="0"/>
+              <a:t>Being a </a:t>
+            </a:r>
+            <a:r>
+              <a:rPr lang="en-US" dirty="0"/>
+              <a:t>framework consisting of various protocols and algorithms which can be added to and developed</a:t>
+            </a:r>
+            <a:r>
+              <a:rPr lang="en-US" dirty="0" smtClean="0"/>
+              <a:t>.</a:t>
+            </a:r>
+          </a:p>
+          <a:p>
+            <a:r>
+              <a:rPr lang="en-US" dirty="0"/>
+              <a:t>P</a:t>
+            </a:r>
+            <a:r>
+              <a:rPr lang="en-US" dirty="0" smtClean="0"/>
+              <a:t>roviding </a:t>
+            </a:r>
+            <a:r>
+              <a:rPr lang="en-US" dirty="0"/>
+              <a:t>flexibility and strength in depth, </a:t>
+            </a:r>
+            <a:r>
+              <a:rPr lang="en-US" dirty="0" smtClean="0"/>
+              <a:t>being almost </a:t>
+            </a:r>
+            <a:r>
+              <a:rPr lang="en-US" dirty="0"/>
+              <a:t>perfect solution for securing VPN’s. </a:t>
+            </a:r>
+            <a:endParaRPr lang="en-US" dirty="0" smtClean="0"/>
+          </a:p>
+          <a:p>
+            <a:r>
+              <a:rPr lang="en-US" dirty="0" smtClean="0"/>
+              <a:t>setting </a:t>
+            </a:r>
+            <a:r>
+              <a:rPr lang="en-US" dirty="0"/>
+              <a:t>up on the corporate network and on the client </a:t>
+            </a:r>
+            <a:r>
+              <a:rPr lang="en-US" dirty="0" smtClean="0"/>
+              <a:t>end. </a:t>
+            </a:r>
+            <a:r>
+              <a:rPr lang="en-US" dirty="0" err="1" smtClean="0"/>
               <a:t>IPSec</a:t>
             </a:r>
             <a:r>
+              <a:rPr lang="en-US" dirty="0" smtClean="0"/>
+              <a:t> </a:t>
+            </a:r>
+            <a:r>
               <a:rPr lang="en-US" dirty="0"/>
-              <a:t> operates on layer 3 and so can protect any protocol that runs on top of IP. </a:t>
-            </a:r>
-            <a:r>
-              <a:rPr lang="en-US" dirty="0" err="1"/>
-              <a:t>IPSec</a:t>
-            </a:r>
-            <a:r>
-              <a:rPr lang="en-US" dirty="0"/>
-              <a:t> is a framework consisting of various protocols and algorithms which can be added to and developed. </a:t>
-            </a:r>
-            <a:r>
-              <a:rPr lang="en-US" dirty="0" err="1"/>
-              <a:t>IPSec</a:t>
-            </a:r>
-            <a:r>
-              <a:rPr lang="en-US" dirty="0"/>
-              <a:t> provides flexibility and strength in depth, and is an almost perfect solution for securing VPN’s. The only drawback is </a:t>
-            </a:r>
-            <a:r>
-              <a:rPr lang="en-US" dirty="0" err="1"/>
-              <a:t>IPSec</a:t>
-            </a:r>
-            <a:r>
-              <a:rPr lang="en-US" dirty="0"/>
-              <a:t> requires setting up on the corporate network and on the client end and is a complex framework to work with. </a:t>
-            </a:r>
-            <a:r>
-              <a:rPr lang="en-US" dirty="0" err="1"/>
-              <a:t>IPSec</a:t>
-            </a:r>
-            <a:r>
-              <a:rPr lang="en-US" dirty="0"/>
-              <a:t> is used for both site to site and remote user connectivity.</a:t>
-            </a:r>
-          </a:p>
-          <a:p>
-            <a:r>
-              <a:rPr lang="en-US" dirty="0"/>
-              <a:t> </a:t>
-            </a:r>
+              <a:t>is used for both site to site and remote user connectivity</a:t>
+            </a:r>
+            <a:r>
+              <a:rPr lang="en-US" dirty="0" smtClean="0"/>
+              <a:t>. </a:t>
+            </a:r>
+            <a:endParaRPr lang="en-US" dirty="0"/>
+          </a:p>
+          <a:p>
+            <a:pPr marL="0" indent="0">
+              <a:buNone/>
+            </a:pPr>
+            <a:endParaRPr lang="en-US" dirty="0"/>
           </a:p>
           <a:p>
             <a:endParaRPr lang="en-US" dirty="0"/>
@@ -3645,66 +3773,71 @@
         <p:spPr/>
         <p:txBody>
           <a:bodyPr>
-            <a:normAutofit fontScale="25000" lnSpcReduction="20000"/>
+            <a:normAutofit fontScale="32500" lnSpcReduction="20000"/>
           </a:bodyPr>
           <a:lstStyle/>
           <a:p>
             <a:r>
+              <a:rPr lang="en-US" sz="7200" dirty="0" smtClean="0"/>
+              <a:t>Providing excellent </a:t>
+            </a:r>
+            <a:r>
               <a:rPr lang="en-US" sz="7200" dirty="0"/>
-              <a:t>SSL VPN provides excellent security for remote access users as well as ease of use. SSL is already heavily used such as when you shop online, accessing your bank account online, you will notice an SSL protected page when you see the “https” in your browser URL bar as opposed to “http”.</a:t>
-            </a:r>
-          </a:p>
-          <a:p>
-            <a:r>
-              <a:rPr lang="en-US" sz="7200" dirty="0"/>
-              <a:t>The difference in using SSL VPN to </a:t>
-            </a:r>
-            <a:r>
-              <a:rPr lang="en-US" sz="7200" dirty="0" err="1"/>
+              <a:t>security for remote access users as well as ease of use. </a:t>
+            </a:r>
+            <a:endParaRPr lang="en-US" sz="7200" dirty="0" smtClean="0"/>
+          </a:p>
+          <a:p>
+            <a:pPr marL="0" indent="0">
+              <a:buNone/>
+            </a:pPr>
+            <a:endParaRPr lang="en-US" sz="7200" dirty="0" smtClean="0"/>
+          </a:p>
+          <a:p>
+            <a:r>
+              <a:rPr lang="en-US" sz="7200" dirty="0" smtClean="0"/>
+              <a:t>there is no client software if a user was using the SSL portal to access applications on the network .</a:t>
+            </a:r>
+          </a:p>
+          <a:p>
+            <a:pPr marL="0" indent="0">
+              <a:buNone/>
+            </a:pPr>
+            <a:endParaRPr lang="en-US" sz="7200" dirty="0" smtClean="0"/>
+          </a:p>
+          <a:p>
+            <a:r>
+              <a:rPr lang="en-US" sz="7200" dirty="0" smtClean="0"/>
+              <a:t> SSL can also imitate the way </a:t>
+            </a:r>
+            <a:r>
+              <a:rPr lang="en-US" sz="7200" dirty="0" err="1" smtClean="0"/>
               <a:t>IPSec</a:t>
             </a:r>
             <a:r>
-              <a:rPr lang="en-US" sz="7200" dirty="0"/>
-              <a:t> is with </a:t>
-            </a:r>
-            <a:r>
-              <a:rPr lang="en-US" sz="7200" dirty="0" err="1"/>
+              <a:rPr lang="en-US" sz="7200" dirty="0" smtClean="0"/>
+              <a:t> works via a lightweight software</a:t>
+            </a:r>
+          </a:p>
+          <a:p>
+            <a:pPr marL="0" indent="0">
+              <a:buNone/>
+            </a:pPr>
+            <a:endParaRPr lang="en-US" sz="7200" dirty="0" smtClean="0"/>
+          </a:p>
+          <a:p>
+            <a:r>
+              <a:rPr lang="en-US" sz="7200" dirty="0" smtClean="0"/>
+              <a:t>thousands of end user’s would be able to access the corporate network without the support of an administrator and possible hours of configuring and trouble shooting, unlike </a:t>
+            </a:r>
+            <a:r>
+              <a:rPr lang="en-US" sz="7200" dirty="0" err="1" smtClean="0"/>
               <a:t>IPSec</a:t>
             </a:r>
             <a:r>
-              <a:rPr lang="en-US" sz="7200" dirty="0"/>
-              <a:t> a remote user would require client software which would need installing, configuring and sometimes troubleshooting. However with SSL there is no client software if a user was using the SSL portal. The portal is a GUI interface that is accessed via a web browser and contains tools and utilities in order to access applications on the network such as RDP and Outlook. SSL can also imitate the way </a:t>
-            </a:r>
-            <a:r>
-              <a:rPr lang="en-US" sz="7200" dirty="0" err="1"/>
-              <a:t>IPSec</a:t>
-            </a:r>
-            <a:r>
-              <a:rPr lang="en-US" sz="7200" dirty="0"/>
-              <a:t> works via a lightweight software. If a user required client SSL software, it can be installed with very little effort via a browser which simplifies the process in securely accessing to the corporate network.</a:t>
-            </a:r>
-          </a:p>
-          <a:p>
-            <a:r>
-              <a:rPr lang="en-US" sz="7200" dirty="0"/>
-              <a:t>Using SSL VPN would mean thousands of end user’s would be able to access the corporate network without the support of an administrator and possible hours of configuring and trouble shooting, unlike </a:t>
-            </a:r>
-            <a:r>
-              <a:rPr lang="en-US" sz="7200" dirty="0" err="1"/>
-              <a:t>IPSec</a:t>
-            </a:r>
-            <a:r>
-              <a:rPr lang="en-US" sz="7200" dirty="0"/>
-              <a:t>. The end user would just need to know the address of the SSL VPN portal. Another advantage is they can do this from any computer as they do not have to rely on a configured client side software.</a:t>
-            </a:r>
-          </a:p>
-          <a:p>
-            <a:r>
-              <a:rPr lang="en-US" sz="7200" dirty="0"/>
-              <a:t> </a:t>
-            </a:r>
-          </a:p>
-          <a:p>
+              <a:rPr lang="en-US" sz="7200" dirty="0" smtClean="0"/>
+              <a:t>. The end user would just need to know the address of the SSL VPN portal</a:t>
+            </a:r>
             <a:endParaRPr lang="en-US" dirty="0"/>
           </a:p>
         </p:txBody>
@@ -3713,6 +3846,738 @@
     <p:extLst>
       <p:ext uri="{BB962C8B-B14F-4D97-AF65-F5344CB8AC3E}">
         <p14:creationId xmlns:p14="http://schemas.microsoft.com/office/powerpoint/2010/main" val="3358334396"/>
+      </p:ext>
+    </p:extLst>
+  </p:cSld>
+  <p:clrMapOvr>
+    <a:masterClrMapping/>
+  </p:clrMapOvr>
+</p:sld>
+</file>
+
+<file path=ppt/slides/slide13.xml><?xml version="1.0" encoding="utf-8"?>
+<p:sld xmlns:a="http://schemas.openxmlformats.org/drawingml/2006/main" xmlns:r="http://schemas.openxmlformats.org/officeDocument/2006/relationships" xmlns:p="http://schemas.openxmlformats.org/presentationml/2006/main">
+  <p:cSld>
+    <p:spTree>
+      <p:nvGrpSpPr>
+        <p:cNvPr id="1" name=""/>
+        <p:cNvGrpSpPr/>
+        <p:nvPr/>
+      </p:nvGrpSpPr>
+      <p:grpSpPr>
+        <a:xfrm>
+          <a:off x="0" y="0"/>
+          <a:ext cx="0" cy="0"/>
+          <a:chOff x="0" y="0"/>
+          <a:chExt cx="0" cy="0"/>
+        </a:xfrm>
+      </p:grpSpPr>
+      <p:sp>
+        <p:nvSpPr>
+          <p:cNvPr id="2" name="Title 1"/>
+          <p:cNvSpPr>
+            <a:spLocks noGrp="1"/>
+          </p:cNvSpPr>
+          <p:nvPr>
+            <p:ph type="title"/>
+          </p:nvPr>
+        </p:nvSpPr>
+        <p:spPr>
+          <a:xfrm>
+            <a:off x="381000" y="1752600"/>
+            <a:ext cx="8229600" cy="2819400"/>
+          </a:xfrm>
+        </p:spPr>
+        <p:txBody>
+          <a:bodyPr>
+            <a:normAutofit/>
+          </a:bodyPr>
+          <a:lstStyle/>
+          <a:p>
+            <a:r>
+              <a:rPr lang="en-US" sz="5400" b="1" dirty="0" smtClean="0">
+                <a:latin typeface=".VnTimeH" pitchFamily="34" charset="0"/>
+              </a:rPr>
+              <a:t>Advantages and</a:t>
+            </a:r>
+            <a:br>
+              <a:rPr lang="en-US" sz="5400" b="1" dirty="0" smtClean="0">
+                <a:latin typeface=".VnTimeH" pitchFamily="34" charset="0"/>
+              </a:rPr>
+            </a:br>
+            <a:r>
+              <a:rPr lang="en-US" sz="5400" b="1" dirty="0" smtClean="0">
+                <a:latin typeface=".VnTimeH" pitchFamily="34" charset="0"/>
+              </a:rPr>
+              <a:t> disadvantages</a:t>
+            </a:r>
+            <a:endParaRPr lang="en-US" sz="5400" b="1" dirty="0">
+              <a:latin typeface=".VnTimeH" pitchFamily="34" charset="0"/>
+            </a:endParaRPr>
+          </a:p>
+        </p:txBody>
+      </p:sp>
+    </p:spTree>
+    <p:extLst>
+      <p:ext uri="{BB962C8B-B14F-4D97-AF65-F5344CB8AC3E}">
+        <p14:creationId xmlns:p14="http://schemas.microsoft.com/office/powerpoint/2010/main" val="2586989630"/>
+      </p:ext>
+    </p:extLst>
+  </p:cSld>
+  <p:clrMapOvr>
+    <a:masterClrMapping/>
+  </p:clrMapOvr>
+  <p:timing>
+    <p:tnLst>
+      <p:par>
+        <p:cTn id="1" dur="indefinite" restart="never" nodeType="tmRoot"/>
+      </p:par>
+    </p:tnLst>
+  </p:timing>
+</p:sld>
+</file>
+
+<file path=ppt/slides/slide14.xml><?xml version="1.0" encoding="utf-8"?>
+<p:sld xmlns:a="http://schemas.openxmlformats.org/drawingml/2006/main" xmlns:r="http://schemas.openxmlformats.org/officeDocument/2006/relationships" xmlns:p="http://schemas.openxmlformats.org/presentationml/2006/main">
+  <p:cSld>
+    <p:spTree>
+      <p:nvGrpSpPr>
+        <p:cNvPr id="1" name=""/>
+        <p:cNvGrpSpPr/>
+        <p:nvPr/>
+      </p:nvGrpSpPr>
+      <p:grpSpPr>
+        <a:xfrm>
+          <a:off x="0" y="0"/>
+          <a:ext cx="0" cy="0"/>
+          <a:chOff x="0" y="0"/>
+          <a:chExt cx="0" cy="0"/>
+        </a:xfrm>
+      </p:grpSpPr>
+      <p:sp>
+        <p:nvSpPr>
+          <p:cNvPr id="2" name="Title 1"/>
+          <p:cNvSpPr>
+            <a:spLocks noGrp="1"/>
+          </p:cNvSpPr>
+          <p:nvPr>
+            <p:ph type="title"/>
+          </p:nvPr>
+        </p:nvSpPr>
+        <p:spPr/>
+        <p:txBody>
+          <a:bodyPr>
+            <a:noAutofit/>
+          </a:bodyPr>
+          <a:lstStyle/>
+          <a:p>
+            <a:r>
+              <a:rPr lang="en-US" b="1" dirty="0" smtClean="0"/>
+              <a:t>Advantages</a:t>
+            </a:r>
+            <a:endParaRPr lang="en-US" b="1" dirty="0"/>
+          </a:p>
+        </p:txBody>
+      </p:sp>
+      <p:sp>
+        <p:nvSpPr>
+          <p:cNvPr id="3" name="Content Placeholder 2"/>
+          <p:cNvSpPr>
+            <a:spLocks noGrp="1"/>
+          </p:cNvSpPr>
+          <p:nvPr>
+            <p:ph idx="1"/>
+          </p:nvPr>
+        </p:nvSpPr>
+        <p:spPr/>
+        <p:txBody>
+          <a:bodyPr/>
+          <a:lstStyle/>
+          <a:p>
+            <a:pPr marL="0" indent="0">
+              <a:buNone/>
+            </a:pPr>
+            <a:r>
+              <a:rPr lang="en-US" b="1" i="1" dirty="0" smtClean="0"/>
+              <a:t>Cost Savings</a:t>
+            </a:r>
+          </a:p>
+          <a:p>
+            <a:r>
+              <a:rPr lang="en-US" dirty="0" smtClean="0"/>
+              <a:t>Eliminating the need for expensive long-distance leased lines </a:t>
+            </a:r>
+          </a:p>
+          <a:p>
+            <a:r>
+              <a:rPr lang="en-US" dirty="0" smtClean="0"/>
+              <a:t>Reducing the long-distance telephone charges for remote access. </a:t>
+            </a:r>
+          </a:p>
+          <a:p>
+            <a:r>
+              <a:rPr lang="en-US" dirty="0" smtClean="0"/>
+              <a:t>Transferring the support burden to the service providers </a:t>
+            </a:r>
+          </a:p>
+          <a:p>
+            <a:r>
+              <a:rPr lang="en-US" dirty="0" smtClean="0"/>
+              <a:t>Operational costs</a:t>
+            </a:r>
+            <a:endParaRPr lang="en-US" dirty="0"/>
+          </a:p>
+        </p:txBody>
+      </p:sp>
+    </p:spTree>
+    <p:extLst>
+      <p:ext uri="{BB962C8B-B14F-4D97-AF65-F5344CB8AC3E}">
+        <p14:creationId xmlns:p14="http://schemas.microsoft.com/office/powerpoint/2010/main" val="1513409817"/>
+      </p:ext>
+    </p:extLst>
+  </p:cSld>
+  <p:clrMapOvr>
+    <a:masterClrMapping/>
+  </p:clrMapOvr>
+  <p:timing>
+    <p:tnLst>
+      <p:par>
+        <p:cTn id="1" dur="indefinite" restart="never" nodeType="tmRoot"/>
+      </p:par>
+    </p:tnLst>
+  </p:timing>
+</p:sld>
+</file>
+
+<file path=ppt/slides/slide15.xml><?xml version="1.0" encoding="utf-8"?>
+<p:sld xmlns:a="http://schemas.openxmlformats.org/drawingml/2006/main" xmlns:r="http://schemas.openxmlformats.org/officeDocument/2006/relationships" xmlns:p="http://schemas.openxmlformats.org/presentationml/2006/main">
+  <p:cSld>
+    <p:spTree>
+      <p:nvGrpSpPr>
+        <p:cNvPr id="1" name=""/>
+        <p:cNvGrpSpPr/>
+        <p:nvPr/>
+      </p:nvGrpSpPr>
+      <p:grpSpPr>
+        <a:xfrm>
+          <a:off x="0" y="0"/>
+          <a:ext cx="0" cy="0"/>
+          <a:chOff x="0" y="0"/>
+          <a:chExt cx="0" cy="0"/>
+        </a:xfrm>
+      </p:grpSpPr>
+      <p:sp>
+        <p:nvSpPr>
+          <p:cNvPr id="3" name="Content Placeholder 2"/>
+          <p:cNvSpPr>
+            <a:spLocks noGrp="1"/>
+          </p:cNvSpPr>
+          <p:nvPr>
+            <p:ph idx="4294967295"/>
+          </p:nvPr>
+        </p:nvSpPr>
+        <p:spPr>
+          <a:xfrm>
+            <a:off x="0" y="1600200"/>
+            <a:ext cx="8229600" cy="4525963"/>
+          </a:xfrm>
+        </p:spPr>
+        <p:txBody>
+          <a:bodyPr/>
+          <a:lstStyle/>
+          <a:p>
+            <a:pPr marL="0" indent="0">
+              <a:buNone/>
+            </a:pPr>
+            <a:r>
+              <a:rPr lang="en-US" b="1" i="1" dirty="0" smtClean="0">
+                <a:solidFill>
+                  <a:srgbClr val="003399"/>
+                </a:solidFill>
+              </a:rPr>
+              <a:t>            </a:t>
+            </a:r>
+            <a:r>
+              <a:rPr lang="en-US" b="1" i="1" dirty="0" smtClean="0"/>
+              <a:t>Scalability</a:t>
+            </a:r>
+          </a:p>
+          <a:p>
+            <a:r>
+              <a:rPr lang="en-US" dirty="0" smtClean="0"/>
+              <a:t>      Flexibility of growth</a:t>
+            </a:r>
+          </a:p>
+          <a:p>
+            <a:r>
+              <a:rPr lang="en-US" dirty="0" smtClean="0"/>
+              <a:t>     Efficiency with broadband technology </a:t>
+            </a:r>
+          </a:p>
+          <a:p>
+            <a:endParaRPr lang="en-US" dirty="0"/>
+          </a:p>
+        </p:txBody>
+      </p:sp>
+    </p:spTree>
+    <p:extLst>
+      <p:ext uri="{BB962C8B-B14F-4D97-AF65-F5344CB8AC3E}">
+        <p14:creationId xmlns:p14="http://schemas.microsoft.com/office/powerpoint/2010/main" val="4265445731"/>
+      </p:ext>
+    </p:extLst>
+  </p:cSld>
+  <p:clrMapOvr>
+    <a:masterClrMapping/>
+  </p:clrMapOvr>
+  <p:timing>
+    <p:tnLst>
+      <p:par>
+        <p:cTn id="1" dur="indefinite" restart="never" nodeType="tmRoot"/>
+      </p:par>
+    </p:tnLst>
+  </p:timing>
+</p:sld>
+</file>
+
+<file path=ppt/slides/slide16.xml><?xml version="1.0" encoding="utf-8"?>
+<p:sld xmlns:a="http://schemas.openxmlformats.org/drawingml/2006/main" xmlns:r="http://schemas.openxmlformats.org/officeDocument/2006/relationships" xmlns:p="http://schemas.openxmlformats.org/presentationml/2006/main">
+  <p:cSld>
+    <p:spTree>
+      <p:nvGrpSpPr>
+        <p:cNvPr id="1" name=""/>
+        <p:cNvGrpSpPr/>
+        <p:nvPr/>
+      </p:nvGrpSpPr>
+      <p:grpSpPr>
+        <a:xfrm>
+          <a:off x="0" y="0"/>
+          <a:ext cx="0" cy="0"/>
+          <a:chOff x="0" y="0"/>
+          <a:chExt cx="0" cy="0"/>
+        </a:xfrm>
+      </p:grpSpPr>
+      <p:sp>
+        <p:nvSpPr>
+          <p:cNvPr id="2" name="Title 1"/>
+          <p:cNvSpPr>
+            <a:spLocks noGrp="1"/>
+          </p:cNvSpPr>
+          <p:nvPr>
+            <p:ph type="title"/>
+          </p:nvPr>
+        </p:nvSpPr>
+        <p:spPr/>
+        <p:txBody>
+          <a:bodyPr/>
+          <a:lstStyle/>
+          <a:p>
+            <a:r>
+              <a:rPr lang="en-US" b="1" dirty="0" smtClean="0"/>
+              <a:t>Disadvantages</a:t>
+            </a:r>
+            <a:endParaRPr lang="en-US" b="1" dirty="0"/>
+          </a:p>
+        </p:txBody>
+      </p:sp>
+      <p:sp>
+        <p:nvSpPr>
+          <p:cNvPr id="3" name="Content Placeholder 2"/>
+          <p:cNvSpPr>
+            <a:spLocks noGrp="1"/>
+          </p:cNvSpPr>
+          <p:nvPr>
+            <p:ph idx="1"/>
+          </p:nvPr>
+        </p:nvSpPr>
+        <p:spPr/>
+        <p:txBody>
+          <a:bodyPr>
+            <a:normAutofit fontScale="92500" lnSpcReduction="20000"/>
+          </a:bodyPr>
+          <a:lstStyle/>
+          <a:p>
+            <a:pPr>
+              <a:lnSpc>
+                <a:spcPct val="90000"/>
+              </a:lnSpc>
+              <a:buClr>
+                <a:srgbClr val="003399"/>
+              </a:buClr>
+            </a:pPr>
+            <a:r>
+              <a:rPr lang="en-US" dirty="0" smtClean="0"/>
+              <a:t>VPNs require an in-depth understanding of public network security issues and proper deployment of precautions</a:t>
+            </a:r>
+          </a:p>
+          <a:p>
+            <a:pPr>
+              <a:lnSpc>
+                <a:spcPct val="90000"/>
+              </a:lnSpc>
+              <a:buClr>
+                <a:srgbClr val="003399"/>
+              </a:buClr>
+            </a:pPr>
+            <a:endParaRPr lang="en-US" dirty="0" smtClean="0"/>
+          </a:p>
+          <a:p>
+            <a:pPr>
+              <a:lnSpc>
+                <a:spcPct val="90000"/>
+              </a:lnSpc>
+              <a:buClr>
+                <a:srgbClr val="003399"/>
+              </a:buClr>
+            </a:pPr>
+            <a:r>
+              <a:rPr lang="en-US" dirty="0" smtClean="0"/>
+              <a:t>Availability and performance depends on factors largely outside of their control </a:t>
+            </a:r>
+          </a:p>
+          <a:p>
+            <a:pPr>
+              <a:lnSpc>
+                <a:spcPct val="90000"/>
+              </a:lnSpc>
+              <a:buClr>
+                <a:srgbClr val="003399"/>
+              </a:buClr>
+            </a:pPr>
+            <a:endParaRPr lang="en-US" dirty="0" smtClean="0"/>
+          </a:p>
+          <a:p>
+            <a:pPr>
+              <a:lnSpc>
+                <a:spcPct val="90000"/>
+              </a:lnSpc>
+              <a:buClr>
+                <a:srgbClr val="003399"/>
+              </a:buClr>
+            </a:pPr>
+            <a:r>
+              <a:rPr lang="en-US" dirty="0" smtClean="0"/>
+              <a:t>Immature standards </a:t>
+            </a:r>
+          </a:p>
+          <a:p>
+            <a:pPr>
+              <a:lnSpc>
+                <a:spcPct val="90000"/>
+              </a:lnSpc>
+              <a:buClr>
+                <a:srgbClr val="003399"/>
+              </a:buClr>
+            </a:pPr>
+            <a:endParaRPr lang="en-US" dirty="0" smtClean="0"/>
+          </a:p>
+          <a:p>
+            <a:pPr>
+              <a:lnSpc>
+                <a:spcPct val="90000"/>
+              </a:lnSpc>
+              <a:buClr>
+                <a:srgbClr val="003399"/>
+              </a:buClr>
+            </a:pPr>
+            <a:r>
+              <a:rPr lang="en-US" dirty="0" smtClean="0"/>
+              <a:t>VPNs need to accommodate protocols other than IP and existing internal network technology </a:t>
+            </a:r>
+          </a:p>
+          <a:p>
+            <a:endParaRPr lang="en-US" dirty="0"/>
+          </a:p>
+        </p:txBody>
+      </p:sp>
+    </p:spTree>
+    <p:extLst>
+      <p:ext uri="{BB962C8B-B14F-4D97-AF65-F5344CB8AC3E}">
+        <p14:creationId xmlns:p14="http://schemas.microsoft.com/office/powerpoint/2010/main" val="1440312262"/>
+      </p:ext>
+    </p:extLst>
+  </p:cSld>
+  <p:clrMapOvr>
+    <a:masterClrMapping/>
+  </p:clrMapOvr>
+  <p:timing>
+    <p:tnLst>
+      <p:par>
+        <p:cTn id="1" dur="indefinite" restart="never" nodeType="tmRoot"/>
+      </p:par>
+    </p:tnLst>
+  </p:timing>
+</p:sld>
+</file>
+
+<file path=ppt/slides/slide17.xml><?xml version="1.0" encoding="utf-8"?>
+<p:sld xmlns:a="http://schemas.openxmlformats.org/drawingml/2006/main" xmlns:r="http://schemas.openxmlformats.org/officeDocument/2006/relationships" xmlns:p="http://schemas.openxmlformats.org/presentationml/2006/main">
+  <p:cSld>
+    <p:spTree>
+      <p:nvGrpSpPr>
+        <p:cNvPr id="1" name=""/>
+        <p:cNvGrpSpPr/>
+        <p:nvPr/>
+      </p:nvGrpSpPr>
+      <p:grpSpPr>
+        <a:xfrm>
+          <a:off x="0" y="0"/>
+          <a:ext cx="0" cy="0"/>
+          <a:chOff x="0" y="0"/>
+          <a:chExt cx="0" cy="0"/>
+        </a:xfrm>
+      </p:grpSpPr>
+      <p:sp>
+        <p:nvSpPr>
+          <p:cNvPr id="2" name="Title 1"/>
+          <p:cNvSpPr>
+            <a:spLocks noGrp="1"/>
+          </p:cNvSpPr>
+          <p:nvPr>
+            <p:ph type="title"/>
+          </p:nvPr>
+        </p:nvSpPr>
+        <p:spPr/>
+        <p:txBody>
+          <a:bodyPr/>
+          <a:lstStyle/>
+          <a:p>
+            <a:r>
+              <a:rPr lang="en-US" b="1" dirty="0" smtClean="0"/>
+              <a:t>APPLICATIONS</a:t>
+            </a:r>
+            <a:endParaRPr lang="en-US" b="1" dirty="0"/>
+          </a:p>
+        </p:txBody>
+      </p:sp>
+      <p:pic>
+        <p:nvPicPr>
+          <p:cNvPr id="4" name="Picture 3"/>
+          <p:cNvPicPr>
+            <a:picLocks noChangeAspect="1"/>
+          </p:cNvPicPr>
+          <p:nvPr/>
+        </p:nvPicPr>
+        <p:blipFill>
+          <a:blip r:embed="rId2">
+            <a:extLst>
+              <a:ext uri="{28A0092B-C50C-407E-A947-70E740481C1C}">
+                <a14:useLocalDpi xmlns:a14="http://schemas.microsoft.com/office/drawing/2010/main" val="0"/>
+              </a:ext>
+            </a:extLst>
+          </a:blip>
+          <a:stretch>
+            <a:fillRect/>
+          </a:stretch>
+        </p:blipFill>
+        <p:spPr>
+          <a:xfrm>
+            <a:off x="838199" y="2833255"/>
+            <a:ext cx="8545773" cy="1981200"/>
+          </a:xfrm>
+          <a:prstGeom prst="rect">
+            <a:avLst/>
+          </a:prstGeom>
+        </p:spPr>
+      </p:pic>
+    </p:spTree>
+    <p:extLst>
+      <p:ext uri="{BB962C8B-B14F-4D97-AF65-F5344CB8AC3E}">
+        <p14:creationId xmlns:p14="http://schemas.microsoft.com/office/powerpoint/2010/main" val="4197016110"/>
+      </p:ext>
+    </p:extLst>
+  </p:cSld>
+  <p:clrMapOvr>
+    <a:masterClrMapping/>
+  </p:clrMapOvr>
+  <p:timing>
+    <p:tnLst>
+      <p:par>
+        <p:cTn id="1" dur="indefinite" restart="never" nodeType="tmRoot"/>
+      </p:par>
+    </p:tnLst>
+  </p:timing>
+</p:sld>
+</file>
+
+<file path=ppt/slides/slide18.xml><?xml version="1.0" encoding="utf-8"?>
+<p:sld xmlns:a="http://schemas.openxmlformats.org/drawingml/2006/main" xmlns:r="http://schemas.openxmlformats.org/officeDocument/2006/relationships" xmlns:p="http://schemas.openxmlformats.org/presentationml/2006/main">
+  <p:cSld>
+    <p:spTree>
+      <p:nvGrpSpPr>
+        <p:cNvPr id="1" name=""/>
+        <p:cNvGrpSpPr/>
+        <p:nvPr/>
+      </p:nvGrpSpPr>
+      <p:grpSpPr>
+        <a:xfrm>
+          <a:off x="0" y="0"/>
+          <a:ext cx="0" cy="0"/>
+          <a:chOff x="0" y="0"/>
+          <a:chExt cx="0" cy="0"/>
+        </a:xfrm>
+      </p:grpSpPr>
+      <p:sp>
+        <p:nvSpPr>
+          <p:cNvPr id="3" name="Title 2"/>
+          <p:cNvSpPr>
+            <a:spLocks noGrp="1"/>
+          </p:cNvSpPr>
+          <p:nvPr>
+            <p:ph type="title"/>
+          </p:nvPr>
+        </p:nvSpPr>
+        <p:spPr/>
+        <p:txBody>
+          <a:bodyPr/>
+          <a:lstStyle/>
+          <a:p>
+            <a:r>
+              <a:rPr lang="en-US" dirty="0"/>
+              <a:t>Definition </a:t>
+            </a:r>
+          </a:p>
+        </p:txBody>
+      </p:sp>
+      <p:sp>
+        <p:nvSpPr>
+          <p:cNvPr id="6" name="Content Placeholder 5"/>
+          <p:cNvSpPr>
+            <a:spLocks noGrp="1"/>
+          </p:cNvSpPr>
+          <p:nvPr>
+            <p:ph idx="1"/>
+          </p:nvPr>
+        </p:nvSpPr>
+        <p:spPr/>
+        <p:txBody>
+          <a:bodyPr/>
+          <a:lstStyle/>
+          <a:p>
+            <a:r>
+              <a:rPr lang="en-US" dirty="0" err="1" smtClean="0"/>
+              <a:t>OpenVPN</a:t>
+            </a:r>
+            <a:r>
+              <a:rPr lang="en-US" dirty="0" smtClean="0"/>
+              <a:t> </a:t>
+            </a:r>
+            <a:r>
+              <a:rPr lang="en-US" dirty="0"/>
+              <a:t>is a full-featured virtual private network (VPN) solution which can </a:t>
+            </a:r>
+            <a:r>
+              <a:rPr lang="en-US" dirty="0" err="1"/>
+              <a:t>accomodate</a:t>
+            </a:r>
+            <a:r>
+              <a:rPr lang="en-US" dirty="0"/>
+              <a:t> a wide range of configurations, including remote access, site-to-site VPNs, </a:t>
+            </a:r>
+            <a:r>
+              <a:rPr lang="en-US" dirty="0" err="1"/>
+              <a:t>WiFi</a:t>
+            </a:r>
+            <a:r>
+              <a:rPr lang="en-US" dirty="0"/>
+              <a:t> security, and enterprise-scale remote access solutions with load balancing, failover, and fine-grained access-controls.</a:t>
+            </a:r>
+          </a:p>
+        </p:txBody>
+      </p:sp>
+    </p:spTree>
+    <p:extLst>
+      <p:ext uri="{BB962C8B-B14F-4D97-AF65-F5344CB8AC3E}">
+        <p14:creationId xmlns:p14="http://schemas.microsoft.com/office/powerpoint/2010/main" val="3931287620"/>
+      </p:ext>
+    </p:extLst>
+  </p:cSld>
+  <p:clrMapOvr>
+    <a:masterClrMapping/>
+  </p:clrMapOvr>
+</p:sld>
+</file>
+
+<file path=ppt/slides/slide19.xml><?xml version="1.0" encoding="utf-8"?>
+<p:sld xmlns:a="http://schemas.openxmlformats.org/drawingml/2006/main" xmlns:r="http://schemas.openxmlformats.org/officeDocument/2006/relationships" xmlns:p="http://schemas.openxmlformats.org/presentationml/2006/main">
+  <p:cSld>
+    <p:spTree>
+      <p:nvGrpSpPr>
+        <p:cNvPr id="1" name=""/>
+        <p:cNvGrpSpPr/>
+        <p:nvPr/>
+      </p:nvGrpSpPr>
+      <p:grpSpPr>
+        <a:xfrm>
+          <a:off x="0" y="0"/>
+          <a:ext cx="0" cy="0"/>
+          <a:chOff x="0" y="0"/>
+          <a:chExt cx="0" cy="0"/>
+        </a:xfrm>
+      </p:grpSpPr>
+      <p:pic>
+        <p:nvPicPr>
+          <p:cNvPr id="4" name="Picture 3"/>
+          <p:cNvPicPr>
+            <a:picLocks noChangeAspect="1"/>
+          </p:cNvPicPr>
+          <p:nvPr/>
+        </p:nvPicPr>
+        <p:blipFill>
+          <a:blip r:embed="rId2">
+            <a:extLst>
+              <a:ext uri="{28A0092B-C50C-407E-A947-70E740481C1C}">
+                <a14:useLocalDpi xmlns:a14="http://schemas.microsoft.com/office/drawing/2010/main" val="0"/>
+              </a:ext>
+            </a:extLst>
+          </a:blip>
+          <a:stretch>
+            <a:fillRect/>
+          </a:stretch>
+        </p:blipFill>
+        <p:spPr>
+          <a:xfrm>
+            <a:off x="1047750" y="1295400"/>
+            <a:ext cx="7048500" cy="4572000"/>
+          </a:xfrm>
+          <a:prstGeom prst="rect">
+            <a:avLst/>
+          </a:prstGeom>
+        </p:spPr>
+      </p:pic>
+      <p:sp>
+        <p:nvSpPr>
+          <p:cNvPr id="5" name="TextBox 4"/>
+          <p:cNvSpPr txBox="1"/>
+          <p:nvPr/>
+        </p:nvSpPr>
+        <p:spPr>
+          <a:xfrm>
+            <a:off x="914400" y="304800"/>
+            <a:ext cx="4953000" cy="584775"/>
+          </a:xfrm>
+          <a:prstGeom prst="rect">
+            <a:avLst/>
+          </a:prstGeom>
+          <a:noFill/>
+        </p:spPr>
+        <p:txBody>
+          <a:bodyPr wrap="square" rtlCol="0">
+            <a:spAutoFit/>
+          </a:bodyPr>
+          <a:lstStyle/>
+          <a:p>
+            <a:r>
+              <a:rPr lang="en-US" sz="3200" b="1" dirty="0" smtClean="0"/>
+              <a:t>Setting the sever network</a:t>
+            </a:r>
+            <a:endParaRPr lang="en-US" sz="3200" b="1" dirty="0"/>
+          </a:p>
+        </p:txBody>
+      </p:sp>
+    </p:spTree>
+    <p:extLst>
+      <p:ext uri="{BB962C8B-B14F-4D97-AF65-F5344CB8AC3E}">
+        <p14:creationId xmlns:p14="http://schemas.microsoft.com/office/powerpoint/2010/main" val="2280826619"/>
       </p:ext>
     </p:extLst>
   </p:cSld>
@@ -3733,7 +4598,7 @@
           </a:blip>
           <a:srcRect/>
           <a:stretch>
-            <a:fillRect/>
+            <a:fillRect l="-17000" r="-17000"/>
           </a:stretch>
         </a:blipFill>
         <a:effectLst/>
@@ -3763,7 +4628,12 @@
             <p:ph type="title"/>
           </p:nvPr>
         </p:nvSpPr>
-        <p:spPr/>
+        <p:spPr>
+          <a:xfrm>
+            <a:off x="457200" y="0"/>
+            <a:ext cx="8229600" cy="1143000"/>
+          </a:xfrm>
+        </p:spPr>
         <p:txBody>
           <a:bodyPr/>
           <a:lstStyle/>
@@ -3801,8 +4671,8 @@
         </p:blipFill>
         <p:spPr bwMode="auto">
           <a:xfrm>
-            <a:off x="685800" y="1219200"/>
-            <a:ext cx="7848600" cy="5105400"/>
+            <a:off x="685800" y="1066800"/>
+            <a:ext cx="7848600" cy="5486400"/>
           </a:xfrm>
           <a:prstGeom prst="rect">
             <a:avLst/>
@@ -3852,10 +4722,17 @@
   <p:clrMapOvr>
     <a:masterClrMapping/>
   </p:clrMapOvr>
+  <p:timing>
+    <p:tnLst>
+      <p:par>
+        <p:cTn id="1" dur="indefinite" restart="never" nodeType="tmRoot"/>
+      </p:par>
+    </p:tnLst>
+  </p:timing>
 </p:sld>
 </file>
 
-<file path=ppt/slides/slide3.xml><?xml version="1.0" encoding="utf-8"?>
+<file path=ppt/slides/slide20.xml><?xml version="1.0" encoding="utf-8"?>
 <p:sld xmlns:a="http://schemas.openxmlformats.org/drawingml/2006/main" xmlns:r="http://schemas.openxmlformats.org/officeDocument/2006/relationships" xmlns:p="http://schemas.openxmlformats.org/presentationml/2006/main">
   <p:cSld>
     <p:spTree>
@@ -3872,6 +4749,388 @@
           <a:chExt cx="0" cy="0"/>
         </a:xfrm>
       </p:grpSpPr>
+      <p:pic>
+        <p:nvPicPr>
+          <p:cNvPr id="2" name="Picture 1"/>
+          <p:cNvPicPr>
+            <a:picLocks noChangeAspect="1"/>
+          </p:cNvPicPr>
+          <p:nvPr/>
+        </p:nvPicPr>
+        <p:blipFill>
+          <a:blip r:embed="rId2">
+            <a:extLst>
+              <a:ext uri="{28A0092B-C50C-407E-A947-70E740481C1C}">
+                <a14:useLocalDpi xmlns:a14="http://schemas.microsoft.com/office/drawing/2010/main" val="0"/>
+              </a:ext>
+            </a:extLst>
+          </a:blip>
+          <a:stretch>
+            <a:fillRect/>
+          </a:stretch>
+        </p:blipFill>
+        <p:spPr>
+          <a:xfrm>
+            <a:off x="1285875" y="1447800"/>
+            <a:ext cx="6572250" cy="4876800"/>
+          </a:xfrm>
+          <a:prstGeom prst="rect">
+            <a:avLst/>
+          </a:prstGeom>
+        </p:spPr>
+      </p:pic>
+      <p:sp>
+        <p:nvSpPr>
+          <p:cNvPr id="3" name="TextBox 2"/>
+          <p:cNvSpPr txBox="1"/>
+          <p:nvPr/>
+        </p:nvSpPr>
+        <p:spPr>
+          <a:xfrm>
+            <a:off x="1143000" y="533400"/>
+            <a:ext cx="5486400" cy="584775"/>
+          </a:xfrm>
+          <a:prstGeom prst="rect">
+            <a:avLst/>
+          </a:prstGeom>
+          <a:noFill/>
+        </p:spPr>
+        <p:txBody>
+          <a:bodyPr wrap="square" rtlCol="0">
+            <a:spAutoFit/>
+          </a:bodyPr>
+          <a:lstStyle/>
+          <a:p>
+            <a:r>
+              <a:rPr lang="en-US" sz="3200" b="1" dirty="0"/>
+              <a:t>User Permissions</a:t>
+            </a:r>
+          </a:p>
+        </p:txBody>
+      </p:sp>
+    </p:spTree>
+    <p:extLst>
+      <p:ext uri="{BB962C8B-B14F-4D97-AF65-F5344CB8AC3E}">
+        <p14:creationId xmlns:p14="http://schemas.microsoft.com/office/powerpoint/2010/main" val="524747842"/>
+      </p:ext>
+    </p:extLst>
+  </p:cSld>
+  <p:clrMapOvr>
+    <a:masterClrMapping/>
+  </p:clrMapOvr>
+</p:sld>
+</file>
+
+<file path=ppt/slides/slide21.xml><?xml version="1.0" encoding="utf-8"?>
+<p:sld xmlns:a="http://schemas.openxmlformats.org/drawingml/2006/main" xmlns:r="http://schemas.openxmlformats.org/officeDocument/2006/relationships" xmlns:p="http://schemas.openxmlformats.org/presentationml/2006/main">
+  <p:cSld>
+    <p:spTree>
+      <p:nvGrpSpPr>
+        <p:cNvPr id="1" name=""/>
+        <p:cNvGrpSpPr/>
+        <p:nvPr/>
+      </p:nvGrpSpPr>
+      <p:grpSpPr>
+        <a:xfrm>
+          <a:off x="0" y="0"/>
+          <a:ext cx="0" cy="0"/>
+          <a:chOff x="0" y="0"/>
+          <a:chExt cx="0" cy="0"/>
+        </a:xfrm>
+      </p:grpSpPr>
+      <p:pic>
+        <p:nvPicPr>
+          <p:cNvPr id="2" name="Picture 1"/>
+          <p:cNvPicPr>
+            <a:picLocks noChangeAspect="1"/>
+          </p:cNvPicPr>
+          <p:nvPr/>
+        </p:nvPicPr>
+        <p:blipFill>
+          <a:blip r:embed="rId2">
+            <a:extLst>
+              <a:ext uri="{28A0092B-C50C-407E-A947-70E740481C1C}">
+                <a14:useLocalDpi xmlns:a14="http://schemas.microsoft.com/office/drawing/2010/main" val="0"/>
+              </a:ext>
+            </a:extLst>
+          </a:blip>
+          <a:stretch>
+            <a:fillRect/>
+          </a:stretch>
+        </p:blipFill>
+        <p:spPr>
+          <a:xfrm>
+            <a:off x="1009650" y="1905000"/>
+            <a:ext cx="7124700" cy="4324350"/>
+          </a:xfrm>
+          <a:prstGeom prst="rect">
+            <a:avLst/>
+          </a:prstGeom>
+        </p:spPr>
+      </p:pic>
+      <p:sp>
+        <p:nvSpPr>
+          <p:cNvPr id="3" name="TextBox 2"/>
+          <p:cNvSpPr txBox="1"/>
+          <p:nvPr/>
+        </p:nvSpPr>
+        <p:spPr>
+          <a:xfrm>
+            <a:off x="1009650" y="609600"/>
+            <a:ext cx="5467350" cy="584775"/>
+          </a:xfrm>
+          <a:prstGeom prst="rect">
+            <a:avLst/>
+          </a:prstGeom>
+          <a:noFill/>
+        </p:spPr>
+        <p:txBody>
+          <a:bodyPr wrap="square" rtlCol="0">
+            <a:spAutoFit/>
+          </a:bodyPr>
+          <a:lstStyle/>
+          <a:p>
+            <a:r>
+              <a:rPr lang="en-US" sz="3200" b="1" dirty="0" smtClean="0"/>
+              <a:t>Connect clients</a:t>
+            </a:r>
+            <a:endParaRPr lang="en-US" sz="3200" b="1" dirty="0"/>
+          </a:p>
+        </p:txBody>
+      </p:sp>
+    </p:spTree>
+    <p:extLst>
+      <p:ext uri="{BB962C8B-B14F-4D97-AF65-F5344CB8AC3E}">
+        <p14:creationId xmlns:p14="http://schemas.microsoft.com/office/powerpoint/2010/main" val="39141792"/>
+      </p:ext>
+    </p:extLst>
+  </p:cSld>
+  <p:clrMapOvr>
+    <a:masterClrMapping/>
+  </p:clrMapOvr>
+</p:sld>
+</file>
+
+<file path=ppt/slides/slide22.xml><?xml version="1.0" encoding="utf-8"?>
+<p:sld xmlns:a="http://schemas.openxmlformats.org/drawingml/2006/main" xmlns:r="http://schemas.openxmlformats.org/officeDocument/2006/relationships" xmlns:p="http://schemas.openxmlformats.org/presentationml/2006/main">
+  <p:cSld>
+    <p:spTree>
+      <p:nvGrpSpPr>
+        <p:cNvPr id="1" name=""/>
+        <p:cNvGrpSpPr/>
+        <p:nvPr/>
+      </p:nvGrpSpPr>
+      <p:grpSpPr>
+        <a:xfrm>
+          <a:off x="0" y="0"/>
+          <a:ext cx="0" cy="0"/>
+          <a:chOff x="0" y="0"/>
+          <a:chExt cx="0" cy="0"/>
+        </a:xfrm>
+      </p:grpSpPr>
+      <p:pic>
+        <p:nvPicPr>
+          <p:cNvPr id="2" name="Picture 1"/>
+          <p:cNvPicPr>
+            <a:picLocks noChangeAspect="1"/>
+          </p:cNvPicPr>
+          <p:nvPr/>
+        </p:nvPicPr>
+        <p:blipFill>
+          <a:blip r:embed="rId2" cstate="print">
+            <a:extLst>
+              <a:ext uri="{28A0092B-C50C-407E-A947-70E740481C1C}">
+                <a14:useLocalDpi xmlns:a14="http://schemas.microsoft.com/office/drawing/2010/main" val="0"/>
+              </a:ext>
+            </a:extLst>
+          </a:blip>
+          <a:stretch>
+            <a:fillRect/>
+          </a:stretch>
+        </p:blipFill>
+        <p:spPr>
+          <a:xfrm>
+            <a:off x="609600" y="228600"/>
+            <a:ext cx="8001000" cy="6400800"/>
+          </a:xfrm>
+          <a:prstGeom prst="rect">
+            <a:avLst/>
+          </a:prstGeom>
+        </p:spPr>
+      </p:pic>
+    </p:spTree>
+    <p:extLst>
+      <p:ext uri="{BB962C8B-B14F-4D97-AF65-F5344CB8AC3E}">
+        <p14:creationId xmlns:p14="http://schemas.microsoft.com/office/powerpoint/2010/main" val="3264704711"/>
+      </p:ext>
+    </p:extLst>
+  </p:cSld>
+  <p:clrMapOvr>
+    <a:masterClrMapping/>
+  </p:clrMapOvr>
+</p:sld>
+</file>
+
+<file path=ppt/slides/slide23.xml><?xml version="1.0" encoding="utf-8"?>
+<p:sld xmlns:a="http://schemas.openxmlformats.org/drawingml/2006/main" xmlns:r="http://schemas.openxmlformats.org/officeDocument/2006/relationships" xmlns:p="http://schemas.openxmlformats.org/presentationml/2006/main">
+  <p:cSld>
+    <p:spTree>
+      <p:nvGrpSpPr>
+        <p:cNvPr id="1" name=""/>
+        <p:cNvGrpSpPr/>
+        <p:nvPr/>
+      </p:nvGrpSpPr>
+      <p:grpSpPr>
+        <a:xfrm>
+          <a:off x="0" y="0"/>
+          <a:ext cx="0" cy="0"/>
+          <a:chOff x="0" y="0"/>
+          <a:chExt cx="0" cy="0"/>
+        </a:xfrm>
+      </p:grpSpPr>
+      <p:sp>
+        <p:nvSpPr>
+          <p:cNvPr id="7" name="Title 6"/>
+          <p:cNvSpPr>
+            <a:spLocks noGrp="1"/>
+          </p:cNvSpPr>
+          <p:nvPr>
+            <p:ph type="title"/>
+          </p:nvPr>
+        </p:nvSpPr>
+        <p:spPr/>
+        <p:txBody>
+          <a:bodyPr>
+            <a:noAutofit/>
+          </a:bodyPr>
+          <a:lstStyle/>
+          <a:p>
+            <a:r>
+              <a:rPr lang="en-US" sz="8800" dirty="0" smtClean="0">
+                <a:latin typeface=".VnBodoni" pitchFamily="34" charset="0"/>
+              </a:rPr>
+              <a:t>Q </a:t>
+            </a:r>
+            <a:r>
+              <a:rPr lang="en-US" sz="6600" dirty="0" smtClean="0">
+                <a:latin typeface=".VnBodoni" pitchFamily="34" charset="0"/>
+              </a:rPr>
+              <a:t>&amp;</a:t>
+            </a:r>
+            <a:r>
+              <a:rPr lang="en-US" sz="8800" dirty="0" smtClean="0">
+                <a:latin typeface=".VnBodoni" pitchFamily="34" charset="0"/>
+              </a:rPr>
+              <a:t> A</a:t>
+            </a:r>
+            <a:endParaRPr lang="en-US" sz="8800" dirty="0">
+              <a:latin typeface=".VnBodoni" pitchFamily="34" charset="0"/>
+            </a:endParaRPr>
+          </a:p>
+        </p:txBody>
+      </p:sp>
+      <p:pic>
+        <p:nvPicPr>
+          <p:cNvPr id="10" name="Content Placeholder 9"/>
+          <p:cNvPicPr>
+            <a:picLocks noGrp="1" noChangeAspect="1"/>
+          </p:cNvPicPr>
+          <p:nvPr>
+            <p:ph sz="half" idx="1"/>
+          </p:nvPr>
+        </p:nvPicPr>
+        <p:blipFill>
+          <a:blip r:embed="rId2">
+            <a:extLst>
+              <a:ext uri="{28A0092B-C50C-407E-A947-70E740481C1C}">
+                <a14:useLocalDpi xmlns:a14="http://schemas.microsoft.com/office/drawing/2010/main" val="0"/>
+              </a:ext>
+            </a:extLst>
+          </a:blip>
+          <a:stretch>
+            <a:fillRect/>
+          </a:stretch>
+        </p:blipFill>
+        <p:spPr>
+          <a:xfrm>
+            <a:off x="457200" y="1676400"/>
+            <a:ext cx="4038600" cy="4495800"/>
+          </a:xfrm>
+        </p:spPr>
+      </p:pic>
+      <p:pic>
+        <p:nvPicPr>
+          <p:cNvPr id="11" name="Content Placeholder 10"/>
+          <p:cNvPicPr>
+            <a:picLocks noGrp="1" noChangeAspect="1"/>
+          </p:cNvPicPr>
+          <p:nvPr>
+            <p:ph sz="half" idx="2"/>
+          </p:nvPr>
+        </p:nvPicPr>
+        <p:blipFill>
+          <a:blip r:embed="rId3">
+            <a:extLst>
+              <a:ext uri="{28A0092B-C50C-407E-A947-70E740481C1C}">
+                <a14:useLocalDpi xmlns:a14="http://schemas.microsoft.com/office/drawing/2010/main" val="0"/>
+              </a:ext>
+            </a:extLst>
+          </a:blip>
+          <a:stretch>
+            <a:fillRect/>
+          </a:stretch>
+        </p:blipFill>
+        <p:spPr>
+          <a:xfrm>
+            <a:off x="5105400" y="1752600"/>
+            <a:ext cx="3657600" cy="4419600"/>
+          </a:xfrm>
+        </p:spPr>
+      </p:pic>
+    </p:spTree>
+    <p:extLst>
+      <p:ext uri="{BB962C8B-B14F-4D97-AF65-F5344CB8AC3E}">
+        <p14:creationId xmlns:p14="http://schemas.microsoft.com/office/powerpoint/2010/main" val="390330375"/>
+      </p:ext>
+    </p:extLst>
+  </p:cSld>
+  <p:clrMapOvr>
+    <a:masterClrMapping/>
+  </p:clrMapOvr>
+</p:sld>
+</file>
+
+<file path=ppt/slides/slide3.xml><?xml version="1.0" encoding="utf-8"?>
+<p:sld xmlns:a="http://schemas.openxmlformats.org/drawingml/2006/main" xmlns:r="http://schemas.openxmlformats.org/officeDocument/2006/relationships" xmlns:p="http://schemas.openxmlformats.org/presentationml/2006/main">
+  <p:cSld>
+    <p:bg>
+      <p:bgPr>
+        <a:blipFill dpi="0" rotWithShape="1">
+          <a:blip r:embed="rId2">
+            <a:lum/>
+          </a:blip>
+          <a:srcRect/>
+          <a:stretch>
+            <a:fillRect l="-14000" r="-14000"/>
+          </a:stretch>
+        </a:blipFill>
+        <a:effectLst/>
+      </p:bgPr>
+    </p:bg>
+    <p:spTree>
+      <p:nvGrpSpPr>
+        <p:cNvPr id="1" name=""/>
+        <p:cNvGrpSpPr/>
+        <p:nvPr/>
+      </p:nvGrpSpPr>
+      <p:grpSpPr>
+        <a:xfrm>
+          <a:off x="0" y="0"/>
+          <a:ext cx="0" cy="0"/>
+          <a:chOff x="0" y="0"/>
+          <a:chExt cx="0" cy="0"/>
+        </a:xfrm>
+      </p:grpSpPr>
       <p:sp>
         <p:nvSpPr>
           <p:cNvPr id="2" name="Title 1"/>
@@ -3882,7 +5141,12 @@
             <p:ph type="title"/>
           </p:nvPr>
         </p:nvSpPr>
-        <p:spPr/>
+        <p:spPr>
+          <a:xfrm>
+            <a:off x="381000" y="304800"/>
+            <a:ext cx="8229600" cy="1143000"/>
+          </a:xfrm>
+        </p:spPr>
         <p:txBody>
           <a:bodyPr/>
           <a:lstStyle/>
@@ -3907,7 +5171,7 @@
         </p:nvSpPr>
         <p:spPr>
           <a:xfrm>
-            <a:off x="457200" y="1600200"/>
+            <a:off x="381000" y="1676400"/>
             <a:ext cx="8229600" cy="4525963"/>
           </a:xfrm>
         </p:spPr>
@@ -4017,6 +5281,13 @@
   <p:clrMapOvr>
     <a:masterClrMapping/>
   </p:clrMapOvr>
+  <p:timing>
+    <p:tnLst>
+      <p:par>
+        <p:cTn id="1" dur="indefinite" restart="never" nodeType="tmRoot"/>
+      </p:par>
+    </p:tnLst>
+  </p:timing>
 </p:sld>
 </file>
 
@@ -4207,8 +5478,8 @@
         </p:blipFill>
         <p:spPr>
           <a:xfrm>
-            <a:off x="457200" y="1752600"/>
-            <a:ext cx="4572000" cy="3505199"/>
+            <a:off x="19334" y="1676400"/>
+            <a:ext cx="5105400" cy="3657600"/>
           </a:xfrm>
         </p:spPr>
       </p:pic>
@@ -4230,13 +5501,46 @@
         </p:spPr>
         <p:txBody>
           <a:bodyPr>
-            <a:normAutofit fontScale="85000" lnSpcReduction="10000"/>
+            <a:normAutofit fontScale="92500" lnSpcReduction="20000"/>
           </a:bodyPr>
           <a:lstStyle/>
           <a:p>
             <a:r>
               <a:rPr lang="en-US" dirty="0"/>
-              <a:t>In a site to site VPN data is encrypted from one VPN gateway to the other, providing a secure link between two sites over the internet. This would enable both sites to share resources such as documents and other types of data over the VPN link.</a:t>
+              <a:t>D</a:t>
+            </a:r>
+            <a:r>
+              <a:rPr lang="en-US" dirty="0" smtClean="0"/>
+              <a:t>ata </a:t>
+            </a:r>
+            <a:r>
+              <a:rPr lang="en-US" dirty="0"/>
+              <a:t>is encrypted from one VPN gateway to the other, providing a secure link between two sites over the internet. </a:t>
+            </a:r>
+            <a:endParaRPr lang="en-US" dirty="0" smtClean="0"/>
+          </a:p>
+          <a:p>
+            <a:pPr marL="0" indent="0">
+              <a:buNone/>
+            </a:pPr>
+            <a:endParaRPr lang="en-US" dirty="0" smtClean="0"/>
+          </a:p>
+          <a:p>
+            <a:r>
+              <a:rPr lang="en-US" dirty="0" smtClean="0"/>
+              <a:t>This </a:t>
+            </a:r>
+            <a:r>
+              <a:rPr lang="en-US" dirty="0"/>
+              <a:t>would enable both sites to share resources </a:t>
+            </a:r>
+            <a:r>
+              <a:rPr lang="en-US" dirty="0" smtClean="0"/>
+              <a:t>over </a:t>
+            </a:r>
+            <a:r>
+              <a:rPr lang="en-US" dirty="0"/>
+              <a:t>the VPN link.</a:t>
             </a:r>
           </a:p>
           <a:p>
@@ -4330,8 +5634,8 @@
         </p:blipFill>
         <p:spPr>
           <a:xfrm>
-            <a:off x="228600" y="1981200"/>
-            <a:ext cx="4724400" cy="3276600"/>
+            <a:off x="152400" y="1752600"/>
+            <a:ext cx="5105400" cy="3886200"/>
           </a:xfrm>
         </p:spPr>
       </p:pic>
@@ -4347,34 +5651,48 @@
         </p:nvSpPr>
         <p:spPr>
           <a:xfrm>
-            <a:off x="4953000" y="1600200"/>
-            <a:ext cx="3733800" cy="4525963"/>
+            <a:off x="5181600" y="1600200"/>
+            <a:ext cx="3505200" cy="4525963"/>
           </a:xfrm>
         </p:spPr>
         <p:txBody>
           <a:bodyPr>
-            <a:normAutofit fontScale="85000" lnSpcReduction="10000"/>
+            <a:normAutofit fontScale="92500" lnSpcReduction="20000"/>
           </a:bodyPr>
           <a:lstStyle/>
           <a:p>
+            <a:r>
+              <a:rPr lang="en-US" dirty="0" smtClean="0"/>
+              <a:t> VPN</a:t>
+            </a:r>
+            <a:r>
+              <a:rPr lang="en-US" dirty="0"/>
+              <a:t> scenario </a:t>
+            </a:r>
+            <a:r>
+              <a:rPr lang="en-US" dirty="0" smtClean="0"/>
+              <a:t>would </a:t>
+            </a:r>
+            <a:r>
+              <a:rPr lang="en-US" dirty="0"/>
+              <a:t>be made from an individual computer to a VPN gateway. </a:t>
+            </a:r>
+            <a:endParaRPr lang="en-US" dirty="0" smtClean="0"/>
+          </a:p>
+          <a:p>
             <a:pPr marL="0" indent="0">
               <a:buNone/>
             </a:pPr>
+            <a:endParaRPr lang="en-US" dirty="0" smtClean="0"/>
+          </a:p>
+          <a:p>
             <a:r>
               <a:rPr lang="en-US" dirty="0" smtClean="0"/>
-              <a:t> In </a:t>
+              <a:t>This </a:t>
             </a:r>
             <a:r>
               <a:rPr lang="en-US" dirty="0"/>
-              <a:t>a remote </a:t>
-            </a:r>
-            <a:r>
-              <a:rPr lang="en-US" dirty="0" smtClean="0"/>
-              <a:t>access VPN</a:t>
-            </a:r>
-            <a:r>
-              <a:rPr lang="en-US" dirty="0"/>
-              <a:t> scenario which is also known as mobile VPN a secure connection would be made from an individual computer to a VPN gateway. This would enable a user to access their e-mail, files and other resources at work from where ever they may be, providing they have an internet connection. </a:t>
+              <a:t>would enable a user to access their e-mail, files and other resources at work from where ever they may be, providing they have an internet connection. </a:t>
             </a:r>
           </a:p>
         </p:txBody>
@@ -4449,42 +5767,74 @@
         <p:spPr/>
         <p:txBody>
           <a:bodyPr>
-            <a:normAutofit fontScale="77500" lnSpcReduction="20000"/>
+            <a:normAutofit/>
           </a:bodyPr>
           <a:lstStyle/>
           <a:p>
             <a:r>
+              <a:rPr lang="en-US" dirty="0" smtClean="0"/>
+              <a:t>saving cost on resources (</a:t>
+            </a:r>
+            <a:r>
+              <a:rPr lang="fr-FR" dirty="0"/>
+              <a:t>e-mail servers, file servers, </a:t>
+            </a:r>
+            <a:r>
+              <a:rPr lang="fr-FR" dirty="0" err="1" smtClean="0"/>
+              <a:t>etc</a:t>
+            </a:r>
+            <a:r>
+              <a:rPr lang="fr-FR" dirty="0" smtClean="0"/>
+              <a:t> )</a:t>
+            </a:r>
+            <a:endParaRPr lang="en-US" dirty="0" smtClean="0"/>
+          </a:p>
+          <a:p>
+            <a:pPr marL="0" indent="0">
+              <a:buNone/>
+            </a:pPr>
+            <a:endParaRPr lang="en-US" dirty="0" smtClean="0"/>
+          </a:p>
+          <a:p>
+            <a:r>
+              <a:rPr lang="en-US" dirty="0" smtClean="0"/>
+              <a:t> providing </a:t>
+            </a:r>
+            <a:r>
               <a:rPr lang="en-US" dirty="0"/>
-              <a:t>A VPN saves </a:t>
-            </a:r>
-            <a:r>
-              <a:rPr lang="en-US" dirty="0" err="1" smtClean="0"/>
-              <a:t>organisations</a:t>
+              <a:t>a superb </a:t>
             </a:r>
             <a:r>
               <a:rPr lang="en-US" dirty="0" smtClean="0"/>
-              <a:t> \ </a:t>
+              <a:t>solution </a:t>
             </a:r>
             <a:r>
               <a:rPr lang="en-US" dirty="0"/>
-              <a:t>companies from renting expensive dedicated leased lines, VPN's give the ability for users to work from home and saves cost on resources </a:t>
-            </a:r>
-            <a:endParaRPr lang="en-US" dirty="0" smtClean="0"/>
+              <a:t>for companies with several branch </a:t>
+            </a:r>
+            <a:r>
+              <a:rPr lang="en-US" dirty="0" smtClean="0"/>
+              <a:t>offices </a:t>
+            </a:r>
+          </a:p>
+          <a:p>
+            <a:pPr marL="0" indent="0">
+              <a:buNone/>
+            </a:pPr>
+            <a:endParaRPr lang="en-US" dirty="0"/>
           </a:p>
           <a:p>
             <a:r>
               <a:rPr lang="en-US" dirty="0"/>
-              <a:t>VPN’s provide a superb and cost effective solution for companies with several branch offices, partners, and remote users to share data and connect to their corporate network in a secure and private manner</a:t>
+              <a:t>providing all data packets </a:t>
             </a:r>
             <a:r>
               <a:rPr lang="en-US" dirty="0" smtClean="0"/>
-              <a:t>.</a:t>
-            </a:r>
-          </a:p>
-          <a:p>
+              <a:t>with high </a:t>
+            </a:r>
             <a:r>
               <a:rPr lang="en-US" dirty="0"/>
-              <a:t>all data packets providing high level of security. If packets which were sent securely over the internet were sniffed, they would be unreadable and if modified this would also be detected by the VPN gateway.</a:t>
+              <a:t>level of security. </a:t>
             </a:r>
           </a:p>
         </p:txBody>
@@ -4591,11 +5941,7 @@
             </a:pPr>
             <a:r>
               <a:rPr lang="en-US" dirty="0" smtClean="0"/>
-              <a:t>L2TP </a:t>
-            </a:r>
-            <a:r>
-              <a:rPr lang="en-US" dirty="0" smtClean="0"/>
-              <a:t>-- Layer 2 Tunneling Protocol</a:t>
+              <a:t>L2TP -- Layer 2 Tunneling Protocol</a:t>
             </a:r>
             <a:br>
               <a:rPr lang="en-US" dirty="0" smtClean="0"/>
@@ -4731,42 +6077,54 @@
         <p:spPr/>
         <p:txBody>
           <a:bodyPr>
-            <a:normAutofit fontScale="70000" lnSpcReduction="20000"/>
+            <a:normAutofit/>
           </a:bodyPr>
           <a:lstStyle/>
           <a:p>
             <a:r>
               <a:rPr lang="en-US" dirty="0" smtClean="0"/>
-              <a:t>PPTP</a:t>
+              <a:t>Being a </a:t>
             </a:r>
             <a:r>
               <a:rPr lang="en-US" dirty="0"/>
-              <a:t> is a protocol or technology that supports the use of VPN’s. Using PPTP, remote users can access their corporate networks securely using the Microsoft Windows Platforms and other PPP (Point to Point tunneling Protocols) enabled systems. This is achieved with remote users dialing into their local internet security providers to connect securely to their networks via the internet.</a:t>
-            </a:r>
-          </a:p>
-          <a:p>
+              <a:t>protocol or technology </a:t>
+            </a:r>
+            <a:r>
+              <a:rPr lang="en-US" dirty="0" smtClean="0"/>
+              <a:t>supports </a:t>
+            </a:r>
             <a:r>
               <a:rPr lang="en-US" dirty="0"/>
-              <a:t>PPTP has its issues and is considered as a weak security protocol according to many experts, although Microsoft continues to improve the use of PPTP and claims issues within PPTP have now been corrected. Although PPTP is easier to use and configure than </a:t>
-            </a:r>
-            <a:r>
-              <a:rPr lang="en-US" dirty="0" err="1"/>
-              <a:t>IPSec</a:t>
+              <a:t>the use of VPN’s</a:t>
+            </a:r>
+            <a:r>
+              <a:rPr lang="en-US" dirty="0" smtClean="0"/>
+              <a:t>.</a:t>
+            </a:r>
+          </a:p>
+          <a:p>
+            <a:r>
+              <a:rPr lang="en-US" dirty="0" smtClean="0"/>
+              <a:t>Helping remote </a:t>
             </a:r>
             <a:r>
               <a:rPr lang="en-US" dirty="0"/>
-              <a:t>, </a:t>
-            </a:r>
-            <a:r>
-              <a:rPr lang="en-US" dirty="0" err="1"/>
-              <a:t>IPSec</a:t>
+              <a:t>users dialing into their local internet security providers to connect securely to their networks via the internet.</a:t>
+            </a:r>
+          </a:p>
+          <a:p>
+            <a:r>
+              <a:rPr lang="en-US" dirty="0" smtClean="0"/>
+              <a:t>Being considered </a:t>
             </a:r>
             <a:r>
               <a:rPr lang="en-US" dirty="0"/>
-              <a:t> outweighs PPTP in other areas such as being more secure and a robust protocol.</a:t>
-            </a:r>
-          </a:p>
-          <a:p>
+              <a:t>as a weak security protocol according to many </a:t>
+            </a:r>
+            <a:r>
+              <a:rPr lang="en-US" dirty="0" smtClean="0"/>
+              <a:t>experts. </a:t>
+            </a:r>
             <a:endParaRPr lang="en-US" dirty="0"/>
           </a:p>
         </p:txBody>
